--- a/WebArayüzGeliştirmeDonemSonuProjesiSunusu.pptx
+++ b/WebArayüzGeliştirmeDonemSonuProjesiSunusu.pptx
@@ -13564,6 +13564,18 @@
   <p:clrMapOvr>
     <a:masterClrMapping/>
   </p:clrMapOvr>
+  <mc:AlternateContent xmlns:mc="http://schemas.openxmlformats.org/markup-compatibility/2006">
+    <mc:Choice xmlns:p14="http://schemas.microsoft.com/office/powerpoint/2010/main" Requires="p14">
+      <p:transition spd="med" p14:dur="700">
+        <p:fade/>
+      </p:transition>
+    </mc:Choice>
+    <mc:Fallback>
+      <p:transition spd="med">
+        <p:fade/>
+      </p:transition>
+    </mc:Fallback>
+  </mc:AlternateContent>
 </p:sld>
 </file>
 
@@ -13689,6 +13701,18 @@
   <p:clrMapOvr>
     <a:masterClrMapping/>
   </p:clrMapOvr>
+  <mc:AlternateContent xmlns:mc="http://schemas.openxmlformats.org/markup-compatibility/2006">
+    <mc:Choice xmlns:p14="http://schemas.microsoft.com/office/powerpoint/2010/main" Requires="p14">
+      <p:transition spd="med" p14:dur="700">
+        <p:fade/>
+      </p:transition>
+    </mc:Choice>
+    <mc:Fallback>
+      <p:transition spd="med">
+        <p:fade/>
+      </p:transition>
+    </mc:Fallback>
+  </mc:AlternateContent>
 </p:sld>
 </file>
 
@@ -13891,6 +13915,18 @@
   <p:clrMapOvr>
     <a:masterClrMapping/>
   </p:clrMapOvr>
+  <mc:AlternateContent xmlns:mc="http://schemas.openxmlformats.org/markup-compatibility/2006">
+    <mc:Choice xmlns:p14="http://schemas.microsoft.com/office/powerpoint/2010/main" Requires="p14">
+      <p:transition spd="med" p14:dur="700">
+        <p:fade/>
+      </p:transition>
+    </mc:Choice>
+    <mc:Fallback>
+      <p:transition spd="med">
+        <p:fade/>
+      </p:transition>
+    </mc:Fallback>
+  </mc:AlternateContent>
 </p:sld>
 </file>
 
@@ -14332,6 +14368,18 @@
   <p:clrMapOvr>
     <a:masterClrMapping/>
   </p:clrMapOvr>
+  <mc:AlternateContent xmlns:mc="http://schemas.openxmlformats.org/markup-compatibility/2006">
+    <mc:Choice xmlns:p14="http://schemas.microsoft.com/office/powerpoint/2010/main" Requires="p14">
+      <p:transition spd="med" p14:dur="700">
+        <p:fade/>
+      </p:transition>
+    </mc:Choice>
+    <mc:Fallback>
+      <p:transition spd="med">
+        <p:fade/>
+      </p:transition>
+    </mc:Fallback>
+  </mc:AlternateContent>
 </p:sld>
 </file>
 
@@ -14704,6 +14752,18 @@
   <p:clrMapOvr>
     <a:masterClrMapping/>
   </p:clrMapOvr>
+  <mc:AlternateContent xmlns:mc="http://schemas.openxmlformats.org/markup-compatibility/2006">
+    <mc:Choice xmlns:p14="http://schemas.microsoft.com/office/powerpoint/2010/main" Requires="p14">
+      <p:transition spd="med" p14:dur="700">
+        <p:fade/>
+      </p:transition>
+    </mc:Choice>
+    <mc:Fallback>
+      <p:transition spd="med">
+        <p:fade/>
+      </p:transition>
+    </mc:Fallback>
+  </mc:AlternateContent>
 </p:sld>
 </file>
 
@@ -15001,6 +15061,18 @@
   <p:clrMapOvr>
     <a:masterClrMapping/>
   </p:clrMapOvr>
+  <mc:AlternateContent xmlns:mc="http://schemas.openxmlformats.org/markup-compatibility/2006">
+    <mc:Choice xmlns:p14="http://schemas.microsoft.com/office/powerpoint/2010/main" Requires="p14">
+      <p:transition spd="med" p14:dur="700">
+        <p:fade/>
+      </p:transition>
+    </mc:Choice>
+    <mc:Fallback>
+      <p:transition spd="med">
+        <p:fade/>
+      </p:transition>
+    </mc:Fallback>
+  </mc:AlternateContent>
 </p:sld>
 </file>
 
@@ -15115,6 +15187,18 @@
   <p:clrMapOvr>
     <a:masterClrMapping/>
   </p:clrMapOvr>
+  <mc:AlternateContent xmlns:mc="http://schemas.openxmlformats.org/markup-compatibility/2006">
+    <mc:Choice xmlns:p14="http://schemas.microsoft.com/office/powerpoint/2010/main" Requires="p14">
+      <p:transition spd="med" p14:dur="700">
+        <p:fade/>
+      </p:transition>
+    </mc:Choice>
+    <mc:Fallback>
+      <p:transition spd="med">
+        <p:fade/>
+      </p:transition>
+    </mc:Fallback>
+  </mc:AlternateContent>
 </p:sld>
 </file>
 
@@ -15484,6 +15568,18 @@
   <p:clrMapOvr>
     <a:masterClrMapping/>
   </p:clrMapOvr>
+  <mc:AlternateContent xmlns:mc="http://schemas.openxmlformats.org/markup-compatibility/2006">
+    <mc:Choice xmlns:p14="http://schemas.microsoft.com/office/powerpoint/2010/main" Requires="p14">
+      <p:transition spd="med" p14:dur="700">
+        <p:fade/>
+      </p:transition>
+    </mc:Choice>
+    <mc:Fallback>
+      <p:transition spd="med">
+        <p:fade/>
+      </p:transition>
+    </mc:Fallback>
+  </mc:AlternateContent>
 </p:sld>
 </file>
 
@@ -16066,6 +16162,18 @@
   <p:clrMapOvr>
     <a:masterClrMapping/>
   </p:clrMapOvr>
+  <mc:AlternateContent xmlns:mc="http://schemas.openxmlformats.org/markup-compatibility/2006">
+    <mc:Choice xmlns:p14="http://schemas.microsoft.com/office/powerpoint/2010/main" Requires="p14">
+      <p:transition spd="med" p14:dur="700">
+        <p:fade/>
+      </p:transition>
+    </mc:Choice>
+    <mc:Fallback>
+      <p:transition spd="med">
+        <p:fade/>
+      </p:transition>
+    </mc:Fallback>
+  </mc:AlternateContent>
 </p:sld>
 </file>
 
@@ -16392,6 +16500,18 @@
   <p:clrMapOvr>
     <a:masterClrMapping/>
   </p:clrMapOvr>
+  <mc:AlternateContent xmlns:mc="http://schemas.openxmlformats.org/markup-compatibility/2006">
+    <mc:Choice xmlns:p14="http://schemas.microsoft.com/office/powerpoint/2010/main" Requires="p14">
+      <p:transition spd="med" p14:dur="700">
+        <p:fade/>
+      </p:transition>
+    </mc:Choice>
+    <mc:Fallback>
+      <p:transition spd="med">
+        <p:fade/>
+      </p:transition>
+    </mc:Fallback>
+  </mc:AlternateContent>
 </p:sld>
 </file>
 
@@ -16835,6 +16955,18 @@
   <p:clrMapOvr>
     <a:masterClrMapping/>
   </p:clrMapOvr>
+  <mc:AlternateContent xmlns:mc="http://schemas.openxmlformats.org/markup-compatibility/2006">
+    <mc:Choice xmlns:p14="http://schemas.microsoft.com/office/powerpoint/2010/main" Requires="p14">
+      <p:transition spd="med" p14:dur="700">
+        <p:fade/>
+      </p:transition>
+    </mc:Choice>
+    <mc:Fallback>
+      <p:transition spd="med">
+        <p:fade/>
+      </p:transition>
+    </mc:Fallback>
+  </mc:AlternateContent>
 </p:sld>
 </file>
 
@@ -17243,6 +17375,18 @@
   <p:clrMapOvr>
     <a:masterClrMapping/>
   </p:clrMapOvr>
+  <mc:AlternateContent xmlns:mc="http://schemas.openxmlformats.org/markup-compatibility/2006">
+    <mc:Choice xmlns:p14="http://schemas.microsoft.com/office/powerpoint/2010/main" Requires="p14">
+      <p:transition spd="med" p14:dur="700">
+        <p:fade/>
+      </p:transition>
+    </mc:Choice>
+    <mc:Fallback>
+      <p:transition spd="med">
+        <p:fade/>
+      </p:transition>
+    </mc:Fallback>
+  </mc:AlternateContent>
 </p:sld>
 </file>
 
@@ -17545,6 +17689,18 @@
   <p:clrMapOvr>
     <a:masterClrMapping/>
   </p:clrMapOvr>
+  <mc:AlternateContent xmlns:mc="http://schemas.openxmlformats.org/markup-compatibility/2006">
+    <mc:Choice xmlns:p14="http://schemas.microsoft.com/office/powerpoint/2010/main" Requires="p14">
+      <p:transition spd="med" p14:dur="700">
+        <p:fade/>
+      </p:transition>
+    </mc:Choice>
+    <mc:Fallback>
+      <p:transition spd="med">
+        <p:fade/>
+      </p:transition>
+    </mc:Fallback>
+  </mc:AlternateContent>
 </p:sld>
 </file>
 
@@ -17666,6 +17822,18 @@
   <p:clrMapOvr>
     <a:masterClrMapping/>
   </p:clrMapOvr>
+  <mc:AlternateContent xmlns:mc="http://schemas.openxmlformats.org/markup-compatibility/2006">
+    <mc:Choice xmlns:p14="http://schemas.microsoft.com/office/powerpoint/2010/main" Requires="p14">
+      <p:transition spd="med" p14:dur="700">
+        <p:fade/>
+      </p:transition>
+    </mc:Choice>
+    <mc:Fallback>
+      <p:transition spd="med">
+        <p:fade/>
+      </p:transition>
+    </mc:Fallback>
+  </mc:AlternateContent>
 </p:sld>
 </file>
 
@@ -17780,6 +17948,18 @@
   <p:clrMapOvr>
     <a:masterClrMapping/>
   </p:clrMapOvr>
+  <mc:AlternateContent xmlns:mc="http://schemas.openxmlformats.org/markup-compatibility/2006">
+    <mc:Choice xmlns:p14="http://schemas.microsoft.com/office/powerpoint/2010/main" Requires="p14">
+      <p:transition spd="med" p14:dur="700">
+        <p:fade/>
+      </p:transition>
+    </mc:Choice>
+    <mc:Fallback>
+      <p:transition spd="med">
+        <p:fade/>
+      </p:transition>
+    </mc:Fallback>
+  </mc:AlternateContent>
 </p:sld>
 </file>
 
@@ -18048,12 +18228,11 @@
 </file>
 
 <file path=customXml/item1.xml><?xml version="1.0" encoding="utf-8"?>
-<?mso-contentType ?>
-<FormTemplates xmlns="http://schemas.microsoft.com/sharepoint/v3/contenttype/forms">
-  <Display>DocumentLibraryForm</Display>
-  <Edit>DocumentLibraryForm</Edit>
-  <New>DocumentLibraryForm</New>
-</FormTemplates>
+<p:properties xmlns:p="http://schemas.microsoft.com/office/2006/metadata/properties" xmlns:xsi="http://www.w3.org/2001/XMLSchema-instance" xmlns:pc="http://schemas.microsoft.com/office/infopath/2007/PartnerControls">
+  <documentManagement>
+    <_activity xmlns="8ccc3bd1-e8a1-4115-a0f8-fdb78a74462b" xsi:nil="true"/>
+  </documentManagement>
+</p:properties>
 </file>
 
 <file path=customXml/item2.xml><?xml version="1.0" encoding="utf-8"?>
@@ -18213,17 +18392,26 @@
 </file>
 
 <file path=customXml/item3.xml><?xml version="1.0" encoding="utf-8"?>
-<p:properties xmlns:p="http://schemas.microsoft.com/office/2006/metadata/properties" xmlns:xsi="http://www.w3.org/2001/XMLSchema-instance" xmlns:pc="http://schemas.microsoft.com/office/infopath/2007/PartnerControls">
-  <documentManagement>
-    <_activity xmlns="8ccc3bd1-e8a1-4115-a0f8-fdb78a74462b" xsi:nil="true"/>
-  </documentManagement>
-</p:properties>
+<?mso-contentType ?>
+<FormTemplates xmlns="http://schemas.microsoft.com/sharepoint/v3/contenttype/forms">
+  <Display>DocumentLibraryForm</Display>
+  <Edit>DocumentLibraryForm</Edit>
+  <New>DocumentLibraryForm</New>
+</FormTemplates>
 </file>
 
 <file path=customXml/itemProps1.xml><?xml version="1.0" encoding="utf-8"?>
-<ds:datastoreItem xmlns:ds="http://schemas.openxmlformats.org/officeDocument/2006/customXml" ds:itemID="{030429E0-585D-451E-8978-3FCFCDABCAFE}">
+<ds:datastoreItem xmlns:ds="http://schemas.openxmlformats.org/officeDocument/2006/customXml" ds:itemID="{65E2D344-18DF-4C60-B9C1-C7E72FEA2A6D}">
   <ds:schemaRefs>
-    <ds:schemaRef ds:uri="http://schemas.microsoft.com/sharepoint/v3/contenttype/forms"/>
+    <ds:schemaRef ds:uri="8ccc3bd1-e8a1-4115-a0f8-fdb78a74462b"/>
+    <ds:schemaRef ds:uri="http://purl.org/dc/dcmitype/"/>
+    <ds:schemaRef ds:uri="http://purl.org/dc/elements/1.1/"/>
+    <ds:schemaRef ds:uri="http://purl.org/dc/terms/"/>
+    <ds:schemaRef ds:uri="http://schemas.microsoft.com/office/2006/documentManagement/types"/>
+    <ds:schemaRef ds:uri="http://schemas.microsoft.com/office/2006/metadata/properties"/>
+    <ds:schemaRef ds:uri="http://schemas.microsoft.com/office/infopath/2007/PartnerControls"/>
+    <ds:schemaRef ds:uri="http://schemas.openxmlformats.org/package/2006/metadata/core-properties"/>
+    <ds:schemaRef ds:uri="http://www.w3.org/XML/1998/namespace"/>
   </ds:schemaRefs>
 </ds:datastoreItem>
 </file>
@@ -18247,17 +18435,9 @@
 </file>
 
 <file path=customXml/itemProps3.xml><?xml version="1.0" encoding="utf-8"?>
-<ds:datastoreItem xmlns:ds="http://schemas.openxmlformats.org/officeDocument/2006/customXml" ds:itemID="{65E2D344-18DF-4C60-B9C1-C7E72FEA2A6D}">
+<ds:datastoreItem xmlns:ds="http://schemas.openxmlformats.org/officeDocument/2006/customXml" ds:itemID="{030429E0-585D-451E-8978-3FCFCDABCAFE}">
   <ds:schemaRefs>
-    <ds:schemaRef ds:uri="8ccc3bd1-e8a1-4115-a0f8-fdb78a74462b"/>
-    <ds:schemaRef ds:uri="http://purl.org/dc/dcmitype/"/>
-    <ds:schemaRef ds:uri="http://purl.org/dc/elements/1.1/"/>
-    <ds:schemaRef ds:uri="http://purl.org/dc/terms/"/>
-    <ds:schemaRef ds:uri="http://schemas.microsoft.com/office/2006/documentManagement/types"/>
-    <ds:schemaRef ds:uri="http://schemas.microsoft.com/office/2006/metadata/properties"/>
-    <ds:schemaRef ds:uri="http://schemas.microsoft.com/office/infopath/2007/PartnerControls"/>
-    <ds:schemaRef ds:uri="http://schemas.openxmlformats.org/package/2006/metadata/core-properties"/>
-    <ds:schemaRef ds:uri="http://www.w3.org/XML/1998/namespace"/>
+    <ds:schemaRef ds:uri="http://schemas.microsoft.com/sharepoint/v3/contenttype/forms"/>
   </ds:schemaRefs>
 </ds:datastoreItem>
 </file>